--- a/presentation.pptx
+++ b/presentation.pptx
@@ -7,10 +7,15 @@
   <p:sldIdLst>
     <p:sldId id="256" r:id="rId2"/>
     <p:sldId id="257" r:id="rId3"/>
-    <p:sldId id="258" r:id="rId4"/>
-    <p:sldId id="259" r:id="rId5"/>
-    <p:sldId id="262" r:id="rId6"/>
-    <p:sldId id="260" r:id="rId7"/>
+    <p:sldId id="266" r:id="rId4"/>
+    <p:sldId id="258" r:id="rId5"/>
+    <p:sldId id="259" r:id="rId6"/>
+    <p:sldId id="262" r:id="rId7"/>
+    <p:sldId id="263" r:id="rId8"/>
+    <p:sldId id="265" r:id="rId9"/>
+    <p:sldId id="267" r:id="rId10"/>
+    <p:sldId id="264" r:id="rId11"/>
+    <p:sldId id="260" r:id="rId12"/>
   </p:sldIdLst>
   <p:sldSz cx="9144000" cy="6858000" type="screen4x3"/>
   <p:notesSz cx="6858000" cy="9144000"/>
@@ -304,7 +309,7 @@
           <a:p>
             <a:fld id="{216C5678-EE20-4FA5-88E2-6E0BD67A2E26}" type="datetime1">
               <a:rPr lang="en-US" smtClean="0"/>
-              <a:t>4/25/18</a:t>
+              <a:t>5/2/18</a:t>
             </a:fld>
             <a:endParaRPr lang="en-US" dirty="0"/>
           </a:p>
@@ -474,7 +479,7 @@
           <a:p>
             <a:fld id="{EA051B39-B140-43FE-96DB-472A2B59CE7C}" type="datetime1">
               <a:rPr lang="en-US" smtClean="0"/>
-              <a:t>4/25/18</a:t>
+              <a:t>5/2/18</a:t>
             </a:fld>
             <a:endParaRPr lang="en-US"/>
           </a:p>
@@ -654,7 +659,7 @@
           <a:p>
             <a:fld id="{DA600BB2-27C5-458B-ABCE-839C88CF47CE}" type="datetime1">
               <a:rPr lang="en-US" smtClean="0"/>
-              <a:t>4/25/18</a:t>
+              <a:t>5/2/18</a:t>
             </a:fld>
             <a:endParaRPr lang="en-US"/>
           </a:p>
@@ -842,7 +847,7 @@
           <a:p>
             <a:fld id="{B11D738E-8962-435F-8C43-147B8DD7E819}" type="datetime1">
               <a:rPr lang="en-US" smtClean="0"/>
-              <a:t>4/25/18</a:t>
+              <a:t>5/2/18</a:t>
             </a:fld>
             <a:endParaRPr lang="en-US"/>
           </a:p>
@@ -1109,7 +1114,7 @@
           <a:p>
             <a:fld id="{09CAEA93-55E7-4DA9-90C2-089A26EEFEC4}" type="datetime1">
               <a:rPr lang="en-US" smtClean="0"/>
-              <a:t>4/25/18</a:t>
+              <a:t>5/2/18</a:t>
             </a:fld>
             <a:endParaRPr lang="en-US"/>
           </a:p>
@@ -1462,7 +1467,7 @@
           <a:p>
             <a:fld id="{E34CF3C7-6809-4F39-BD67-A75817BDDE0A}" type="datetime1">
               <a:rPr lang="en-US" smtClean="0"/>
-              <a:t>4/25/18</a:t>
+              <a:t>5/2/18</a:t>
             </a:fld>
             <a:endParaRPr lang="en-US"/>
           </a:p>
@@ -1775,7 +1780,7 @@
           <a:p>
             <a:fld id="{F7EAEB24-CE78-465C-A726-91D0868FA48F}" type="datetime1">
               <a:rPr lang="en-US" smtClean="0"/>
-              <a:t>4/25/18</a:t>
+              <a:t>5/2/18</a:t>
             </a:fld>
             <a:endParaRPr lang="en-US"/>
           </a:p>
@@ -2007,7 +2012,7 @@
           <a:p>
             <a:fld id="{40BAADF0-1749-4E8B-9691-B44A5F8C0895}" type="datetime1">
               <a:rPr lang="en-US" smtClean="0"/>
-              <a:t>4/25/18</a:t>
+              <a:t>5/2/18</a:t>
             </a:fld>
             <a:endParaRPr lang="en-US"/>
           </a:p>
@@ -2102,7 +2107,7 @@
           <a:p>
             <a:fld id="{A8AF628A-A867-4937-BBE5-207DB6F9C51A}" type="datetime1">
               <a:rPr lang="en-US" smtClean="0"/>
-              <a:t>4/25/18</a:t>
+              <a:t>5/2/18</a:t>
             </a:fld>
             <a:endParaRPr lang="en-US"/>
           </a:p>
@@ -2395,7 +2400,7 @@
           <a:p>
             <a:fld id="{118BBB94-68E6-4675-A946-F1C5994EDBD7}" type="datetime1">
               <a:rPr lang="en-US" smtClean="0"/>
-              <a:t>4/25/18</a:t>
+              <a:t>5/2/18</a:t>
             </a:fld>
             <a:endParaRPr lang="en-US"/>
           </a:p>
@@ -2669,7 +2674,7 @@
           <a:p>
             <a:fld id="{DC3B8377-21E3-4835-B75D-4E2847E2750F}" type="datetime1">
               <a:rPr lang="en-US" smtClean="0"/>
-              <a:t>4/25/18</a:t>
+              <a:t>5/2/18</a:t>
             </a:fld>
             <a:endParaRPr lang="en-US"/>
           </a:p>
@@ -2884,7 +2889,7 @@
           <a:p>
             <a:fld id="{B0C4986D-6BE9-4264-908F-02DB36FD8D6C}" type="datetime1">
               <a:rPr lang="en-US" smtClean="0"/>
-              <a:t>4/25/18</a:t>
+              <a:t>5/2/18</a:t>
             </a:fld>
             <a:endParaRPr lang="en-US" dirty="0"/>
           </a:p>
@@ -3448,12 +3453,14 @@
         </p:nvSpPr>
         <p:spPr>
           <a:xfrm>
-            <a:off x="1371600" y="5562600"/>
-            <a:ext cx="6400800" cy="1219200"/>
+            <a:off x="1371600" y="4965143"/>
+            <a:ext cx="6400800" cy="1816657"/>
           </a:xfrm>
         </p:spPr>
         <p:txBody>
-          <a:bodyPr/>
+          <a:bodyPr>
+            <a:normAutofit/>
+          </a:bodyPr>
           <a:lstStyle/>
           <a:p>
             <a:r>
@@ -3469,7 +3476,29 @@
           <a:p>
             <a:r>
               <a:rPr lang="en-US" dirty="0" smtClean="0"/>
-              <a:t>Stephen Hsu</a:t>
+              <a:t>Stephen </a:t>
+            </a:r>
+            <a:r>
+              <a:rPr lang="en-US" dirty="0" smtClean="0"/>
+              <a:t>Hsu</a:t>
+            </a:r>
+          </a:p>
+          <a:p>
+            <a:r>
+              <a:rPr lang="en-US" dirty="0" smtClean="0"/>
+              <a:t>https</a:t>
+            </a:r>
+            <a:r>
+              <a:rPr lang="en-US" dirty="0"/>
+              <a:t>://</a:t>
+            </a:r>
+            <a:r>
+              <a:rPr lang="en-US" dirty="0" err="1"/>
+              <a:t>medium.com</a:t>
+            </a:r>
+            <a:r>
+              <a:rPr lang="en-US" dirty="0"/>
+              <a:t>/@shsu14/russian-fake-tweets-visualized-6f73f767695</a:t>
             </a:r>
             <a:endParaRPr lang="en-US" dirty="0"/>
           </a:p>
@@ -3497,8 +3526,8 @@
         </p:blipFill>
         <p:spPr>
           <a:xfrm>
-            <a:off x="1942419" y="1917625"/>
-            <a:ext cx="5528423" cy="3547405"/>
+            <a:off x="1942417" y="1917625"/>
+            <a:ext cx="5528425" cy="3047519"/>
           </a:xfrm>
           <a:prstGeom prst="rect">
             <a:avLst/>
@@ -3509,6 +3538,188 @@
     <p:extLst>
       <p:ext uri="{BB962C8B-B14F-4D97-AF65-F5344CB8AC3E}">
         <p14:creationId xmlns:p14="http://schemas.microsoft.com/office/powerpoint/2010/main" val="1790252349"/>
+      </p:ext>
+    </p:extLst>
+  </p:cSld>
+  <p:clrMapOvr>
+    <a:masterClrMapping/>
+  </p:clrMapOvr>
+</p:sld>
+</file>
+
+<file path=ppt/slides/slide10.xml><?xml version="1.0" encoding="utf-8"?>
+<p:sld xmlns:a="http://schemas.openxmlformats.org/drawingml/2006/main" xmlns:r="http://schemas.openxmlformats.org/officeDocument/2006/relationships" xmlns:p="http://schemas.openxmlformats.org/presentationml/2006/main">
+  <p:cSld>
+    <p:spTree>
+      <p:nvGrpSpPr>
+        <p:cNvPr id="1" name=""/>
+        <p:cNvGrpSpPr/>
+        <p:nvPr/>
+      </p:nvGrpSpPr>
+      <p:grpSpPr>
+        <a:xfrm>
+          <a:off x="0" y="0"/>
+          <a:ext cx="0" cy="0"/>
+          <a:chOff x="0" y="0"/>
+          <a:chExt cx="0" cy="0"/>
+        </a:xfrm>
+      </p:grpSpPr>
+      <p:sp>
+        <p:nvSpPr>
+          <p:cNvPr id="2" name="Title 1"/>
+          <p:cNvSpPr>
+            <a:spLocks noGrp="1"/>
+          </p:cNvSpPr>
+          <p:nvPr>
+            <p:ph type="title"/>
+          </p:nvPr>
+        </p:nvSpPr>
+        <p:spPr/>
+        <p:txBody>
+          <a:bodyPr/>
+          <a:lstStyle/>
+          <a:p>
+            <a:r>
+              <a:rPr lang="en-US" dirty="0" smtClean="0"/>
+              <a:t>Top 20 </a:t>
+            </a:r>
+            <a:r>
+              <a:rPr lang="mr-IN" dirty="0" smtClean="0"/>
+              <a:t>–</a:t>
+            </a:r>
+            <a:r>
+              <a:rPr lang="en-US" dirty="0" smtClean="0"/>
+              <a:t> Sentiment and Subjectivity</a:t>
+            </a:r>
+            <a:endParaRPr lang="en-US" dirty="0"/>
+          </a:p>
+        </p:txBody>
+      </p:sp>
+      <p:pic>
+        <p:nvPicPr>
+          <p:cNvPr id="4" name="Content Placeholder 3" descr="10sentimentpolarity.jpg"/>
+          <p:cNvPicPr>
+            <a:picLocks noGrp="1" noChangeAspect="1"/>
+          </p:cNvPicPr>
+          <p:nvPr>
+            <p:ph idx="1"/>
+          </p:nvPr>
+        </p:nvPicPr>
+        <p:blipFill>
+          <a:blip r:embed="rId2">
+            <a:extLst>
+              <a:ext uri="{28A0092B-C50C-407E-A947-70E740481C1C}">
+                <a14:useLocalDpi xmlns:a14="http://schemas.microsoft.com/office/drawing/2010/main" val="0"/>
+              </a:ext>
+            </a:extLst>
+          </a:blip>
+          <a:srcRect l="15970" r="15970"/>
+          <a:stretch>
+            <a:fillRect/>
+          </a:stretch>
+        </p:blipFill>
+        <p:spPr/>
+      </p:pic>
+    </p:spTree>
+    <p:extLst>
+      <p:ext uri="{BB962C8B-B14F-4D97-AF65-F5344CB8AC3E}">
+        <p14:creationId xmlns:p14="http://schemas.microsoft.com/office/powerpoint/2010/main" val="1224597715"/>
+      </p:ext>
+    </p:extLst>
+  </p:cSld>
+  <p:clrMapOvr>
+    <a:masterClrMapping/>
+  </p:clrMapOvr>
+</p:sld>
+</file>
+
+<file path=ppt/slides/slide11.xml><?xml version="1.0" encoding="utf-8"?>
+<p:sld xmlns:a="http://schemas.openxmlformats.org/drawingml/2006/main" xmlns:r="http://schemas.openxmlformats.org/officeDocument/2006/relationships" xmlns:p="http://schemas.openxmlformats.org/presentationml/2006/main">
+  <p:cSld>
+    <p:spTree>
+      <p:nvGrpSpPr>
+        <p:cNvPr id="1" name=""/>
+        <p:cNvGrpSpPr/>
+        <p:nvPr/>
+      </p:nvGrpSpPr>
+      <p:grpSpPr>
+        <a:xfrm>
+          <a:off x="0" y="0"/>
+          <a:ext cx="0" cy="0"/>
+          <a:chOff x="0" y="0"/>
+          <a:chExt cx="0" cy="0"/>
+        </a:xfrm>
+      </p:grpSpPr>
+      <p:sp>
+        <p:nvSpPr>
+          <p:cNvPr id="2" name="Title 1"/>
+          <p:cNvSpPr>
+            <a:spLocks noGrp="1"/>
+          </p:cNvSpPr>
+          <p:nvPr>
+            <p:ph type="title"/>
+          </p:nvPr>
+        </p:nvSpPr>
+        <p:spPr>
+          <a:xfrm>
+            <a:off x="457200" y="-311564"/>
+            <a:ext cx="8229600" cy="1600200"/>
+          </a:xfrm>
+        </p:spPr>
+        <p:txBody>
+          <a:bodyPr/>
+          <a:lstStyle/>
+          <a:p>
+            <a:r>
+              <a:rPr lang="en-US" dirty="0" smtClean="0"/>
+              <a:t>Top 20 </a:t>
+            </a:r>
+            <a:r>
+              <a:rPr lang="mr-IN" dirty="0" smtClean="0"/>
+              <a:t>–</a:t>
+            </a:r>
+            <a:r>
+              <a:rPr lang="en-US" dirty="0" smtClean="0"/>
+              <a:t> Tweet Timeline</a:t>
+            </a:r>
+            <a:endParaRPr lang="en-US" dirty="0"/>
+          </a:p>
+        </p:txBody>
+      </p:sp>
+      <p:pic>
+        <p:nvPicPr>
+          <p:cNvPr id="6" name="Content Placeholder 5" descr="9dailytweets.jpg"/>
+          <p:cNvPicPr>
+            <a:picLocks noGrp="1" noChangeAspect="1"/>
+          </p:cNvPicPr>
+          <p:nvPr>
+            <p:ph idx="1"/>
+          </p:nvPr>
+        </p:nvPicPr>
+        <p:blipFill>
+          <a:blip r:embed="rId2">
+            <a:extLst>
+              <a:ext uri="{28A0092B-C50C-407E-A947-70E740481C1C}">
+                <a14:useLocalDpi xmlns:a14="http://schemas.microsoft.com/office/drawing/2010/main" val="0"/>
+              </a:ext>
+            </a:extLst>
+          </a:blip>
+          <a:srcRect t="-21495" b="-21495"/>
+          <a:stretch>
+            <a:fillRect/>
+          </a:stretch>
+        </p:blipFill>
+        <p:spPr>
+          <a:xfrm>
+            <a:off x="151348" y="1272141"/>
+            <a:ext cx="8826114" cy="4854023"/>
+          </a:xfrm>
+        </p:spPr>
+      </p:pic>
+    </p:spTree>
+    <p:extLst>
+      <p:ext uri="{BB962C8B-B14F-4D97-AF65-F5344CB8AC3E}">
+        <p14:creationId xmlns:p14="http://schemas.microsoft.com/office/powerpoint/2010/main" val="2076797956"/>
       </p:ext>
     </p:extLst>
   </p:cSld>
@@ -3602,6 +3813,89 @@
 </file>
 
 <file path=ppt/slides/slide3.xml><?xml version="1.0" encoding="utf-8"?>
+<p:sld xmlns:a="http://schemas.openxmlformats.org/drawingml/2006/main" xmlns:r="http://schemas.openxmlformats.org/officeDocument/2006/relationships" xmlns:p="http://schemas.openxmlformats.org/presentationml/2006/main">
+  <p:cSld>
+    <p:spTree>
+      <p:nvGrpSpPr>
+        <p:cNvPr id="1" name=""/>
+        <p:cNvGrpSpPr/>
+        <p:nvPr/>
+      </p:nvGrpSpPr>
+      <p:grpSpPr>
+        <a:xfrm>
+          <a:off x="0" y="0"/>
+          <a:ext cx="0" cy="0"/>
+          <a:chOff x="0" y="0"/>
+          <a:chExt cx="0" cy="0"/>
+        </a:xfrm>
+      </p:grpSpPr>
+      <p:sp>
+        <p:nvSpPr>
+          <p:cNvPr id="2" name="Title 1"/>
+          <p:cNvSpPr>
+            <a:spLocks noGrp="1"/>
+          </p:cNvSpPr>
+          <p:nvPr>
+            <p:ph type="title"/>
+          </p:nvPr>
+        </p:nvSpPr>
+        <p:spPr>
+          <a:xfrm>
+            <a:off x="457200" y="-313415"/>
+            <a:ext cx="8229600" cy="1600200"/>
+          </a:xfrm>
+        </p:spPr>
+        <p:txBody>
+          <a:bodyPr/>
+          <a:lstStyle/>
+          <a:p>
+            <a:r>
+              <a:rPr lang="en-US" dirty="0" smtClean="0"/>
+              <a:t>Example Bio</a:t>
+            </a:r>
+            <a:endParaRPr lang="en-US" dirty="0"/>
+          </a:p>
+        </p:txBody>
+      </p:sp>
+      <p:pic>
+        <p:nvPicPr>
+          <p:cNvPr id="4" name="Content Placeholder 3" descr="1_81EikWt-QejG_GwnxCD6fQ.jpeg"/>
+          <p:cNvPicPr>
+            <a:picLocks noGrp="1" noChangeAspect="1"/>
+          </p:cNvPicPr>
+          <p:nvPr>
+            <p:ph idx="1"/>
+          </p:nvPr>
+        </p:nvPicPr>
+        <p:blipFill>
+          <a:blip r:embed="rId2">
+            <a:extLst>
+              <a:ext uri="{28A0092B-C50C-407E-A947-70E740481C1C}">
+                <a14:useLocalDpi xmlns:a14="http://schemas.microsoft.com/office/drawing/2010/main" val="0"/>
+              </a:ext>
+            </a:extLst>
+          </a:blip>
+          <a:srcRect l="2711" r="2711"/>
+          <a:stretch>
+            <a:fillRect/>
+          </a:stretch>
+        </p:blipFill>
+        <p:spPr/>
+      </p:pic>
+    </p:spTree>
+    <p:extLst>
+      <p:ext uri="{BB962C8B-B14F-4D97-AF65-F5344CB8AC3E}">
+        <p14:creationId xmlns:p14="http://schemas.microsoft.com/office/powerpoint/2010/main" val="1795302106"/>
+      </p:ext>
+    </p:extLst>
+  </p:cSld>
+  <p:clrMapOvr>
+    <a:masterClrMapping/>
+  </p:clrMapOvr>
+</p:sld>
+</file>
+
+<file path=ppt/slides/slide4.xml><?xml version="1.0" encoding="utf-8"?>
 <p:sld xmlns:a="http://schemas.openxmlformats.org/drawingml/2006/main" xmlns:r="http://schemas.openxmlformats.org/officeDocument/2006/relationships" xmlns:p="http://schemas.openxmlformats.org/presentationml/2006/main">
   <p:cSld>
     <p:spTree>
@@ -3743,7 +4037,7 @@
 </p:sld>
 </file>
 
-<file path=ppt/slides/slide4.xml><?xml version="1.0" encoding="utf-8"?>
+<file path=ppt/slides/slide5.xml><?xml version="1.0" encoding="utf-8"?>
 <p:sld xmlns:a="http://schemas.openxmlformats.org/drawingml/2006/main" xmlns:r="http://schemas.openxmlformats.org/officeDocument/2006/relationships" xmlns:p="http://schemas.openxmlformats.org/presentationml/2006/main">
   <p:cSld>
     <p:spTree>
@@ -3826,84 +4120,6 @@
 </p:sld>
 </file>
 
-<file path=ppt/slides/slide5.xml><?xml version="1.0" encoding="utf-8"?>
-<p:sld xmlns:a="http://schemas.openxmlformats.org/drawingml/2006/main" xmlns:r="http://schemas.openxmlformats.org/officeDocument/2006/relationships" xmlns:p="http://schemas.openxmlformats.org/presentationml/2006/main">
-  <p:cSld>
-    <p:spTree>
-      <p:nvGrpSpPr>
-        <p:cNvPr id="1" name=""/>
-        <p:cNvGrpSpPr/>
-        <p:nvPr/>
-      </p:nvGrpSpPr>
-      <p:grpSpPr>
-        <a:xfrm>
-          <a:off x="0" y="0"/>
-          <a:ext cx="0" cy="0"/>
-          <a:chOff x="0" y="0"/>
-          <a:chExt cx="0" cy="0"/>
-        </a:xfrm>
-      </p:grpSpPr>
-      <p:sp>
-        <p:nvSpPr>
-          <p:cNvPr id="2" name="Title 1"/>
-          <p:cNvSpPr>
-            <a:spLocks noGrp="1"/>
-          </p:cNvSpPr>
-          <p:nvPr>
-            <p:ph type="title"/>
-          </p:nvPr>
-        </p:nvSpPr>
-        <p:spPr/>
-        <p:txBody>
-          <a:bodyPr/>
-          <a:lstStyle/>
-          <a:p>
-            <a:r>
-              <a:rPr lang="en-US" dirty="0" smtClean="0"/>
-              <a:t>What do they say?</a:t>
-            </a:r>
-            <a:endParaRPr lang="en-US" dirty="0"/>
-          </a:p>
-        </p:txBody>
-      </p:sp>
-      <p:pic>
-        <p:nvPicPr>
-          <p:cNvPr id="4" name="Content Placeholder 3" descr="tweets.jpg"/>
-          <p:cNvPicPr>
-            <a:picLocks noGrp="1" noChangeAspect="1"/>
-          </p:cNvPicPr>
-          <p:nvPr>
-            <p:ph idx="1"/>
-          </p:nvPr>
-        </p:nvPicPr>
-        <p:blipFill>
-          <a:blip r:embed="rId2">
-            <a:extLst>
-              <a:ext uri="{28A0092B-C50C-407E-A947-70E740481C1C}">
-                <a14:useLocalDpi xmlns:a14="http://schemas.microsoft.com/office/drawing/2010/main" val="0"/>
-              </a:ext>
-            </a:extLst>
-          </a:blip>
-          <a:srcRect t="6520" b="6520"/>
-          <a:stretch>
-            <a:fillRect/>
-          </a:stretch>
-        </p:blipFill>
-        <p:spPr/>
-      </p:pic>
-    </p:spTree>
-    <p:extLst>
-      <p:ext uri="{BB962C8B-B14F-4D97-AF65-F5344CB8AC3E}">
-        <p14:creationId xmlns:p14="http://schemas.microsoft.com/office/powerpoint/2010/main" val="3317689810"/>
-      </p:ext>
-    </p:extLst>
-  </p:cSld>
-  <p:clrMapOvr>
-    <a:masterClrMapping/>
-  </p:clrMapOvr>
-</p:sld>
-</file>
-
 <file path=ppt/slides/slide6.xml><?xml version="1.0" encoding="utf-8"?>
 <p:sld xmlns:a="http://schemas.openxmlformats.org/drawingml/2006/main" xmlns:r="http://schemas.openxmlformats.org/officeDocument/2006/relationships" xmlns:p="http://schemas.openxmlformats.org/presentationml/2006/main">
   <p:cSld>
@@ -3938,7 +4154,11 @@
           <a:p>
             <a:r>
               <a:rPr lang="en-US" dirty="0" smtClean="0"/>
-              <a:t>When do they strike?</a:t>
+              <a:t>What do they </a:t>
+            </a:r>
+            <a:r>
+              <a:rPr lang="en-US" dirty="0" smtClean="0"/>
+              <a:t>say - bio?</a:t>
             </a:r>
             <a:endParaRPr lang="en-US" dirty="0"/>
           </a:p>
@@ -3946,7 +4166,7 @@
       </p:sp>
       <p:pic>
         <p:nvPicPr>
-          <p:cNvPr id="6" name="Content Placeholder 5" descr="9dailytweets.jpg"/>
+          <p:cNvPr id="5" name="Content Placeholder 4" descr="descrips.jpg"/>
           <p:cNvPicPr>
             <a:picLocks noGrp="1" noChangeAspect="1"/>
           </p:cNvPicPr>
@@ -3962,22 +4182,287 @@
               </a:ext>
             </a:extLst>
           </a:blip>
-          <a:srcRect t="-21495" b="-21495"/>
+          <a:srcRect t="7461" b="7461"/>
+          <a:stretch>
+            <a:fillRect/>
+          </a:stretch>
+        </p:blipFill>
+        <p:spPr/>
+      </p:pic>
+    </p:spTree>
+    <p:extLst>
+      <p:ext uri="{BB962C8B-B14F-4D97-AF65-F5344CB8AC3E}">
+        <p14:creationId xmlns:p14="http://schemas.microsoft.com/office/powerpoint/2010/main" val="3317689810"/>
+      </p:ext>
+    </p:extLst>
+  </p:cSld>
+  <p:clrMapOvr>
+    <a:masterClrMapping/>
+  </p:clrMapOvr>
+</p:sld>
+</file>
+
+<file path=ppt/slides/slide7.xml><?xml version="1.0" encoding="utf-8"?>
+<p:sld xmlns:a="http://schemas.openxmlformats.org/drawingml/2006/main" xmlns:r="http://schemas.openxmlformats.org/officeDocument/2006/relationships" xmlns:p="http://schemas.openxmlformats.org/presentationml/2006/main">
+  <p:cSld>
+    <p:spTree>
+      <p:nvGrpSpPr>
+        <p:cNvPr id="1" name=""/>
+        <p:cNvGrpSpPr/>
+        <p:nvPr/>
+      </p:nvGrpSpPr>
+      <p:grpSpPr>
+        <a:xfrm>
+          <a:off x="0" y="0"/>
+          <a:ext cx="0" cy="0"/>
+          <a:chOff x="0" y="0"/>
+          <a:chExt cx="0" cy="0"/>
+        </a:xfrm>
+      </p:grpSpPr>
+      <p:sp>
+        <p:nvSpPr>
+          <p:cNvPr id="2" name="Title 1"/>
+          <p:cNvSpPr>
+            <a:spLocks noGrp="1"/>
+          </p:cNvSpPr>
+          <p:nvPr>
+            <p:ph type="title"/>
+          </p:nvPr>
+        </p:nvSpPr>
+        <p:spPr/>
+        <p:txBody>
+          <a:bodyPr/>
+          <a:lstStyle/>
+          <a:p>
+            <a:r>
+              <a:rPr lang="en-US" dirty="0" smtClean="0"/>
+              <a:t>When do they Tweet?</a:t>
+            </a:r>
+            <a:endParaRPr lang="en-US" dirty="0"/>
+          </a:p>
+        </p:txBody>
+      </p:sp>
+      <p:sp>
+        <p:nvSpPr>
+          <p:cNvPr id="3" name="Content Placeholder 2"/>
+          <p:cNvSpPr>
+            <a:spLocks noGrp="1"/>
+          </p:cNvSpPr>
+          <p:nvPr>
+            <p:ph idx="1"/>
+          </p:nvPr>
+        </p:nvSpPr>
+        <p:spPr/>
+        <p:txBody>
+          <a:bodyPr/>
+          <a:lstStyle/>
+          <a:p>
+            <a:r>
+              <a:rPr lang="en-US" dirty="0" smtClean="0"/>
+              <a:t> </a:t>
+            </a:r>
+            <a:endParaRPr lang="en-US" dirty="0"/>
+          </a:p>
+        </p:txBody>
+      </p:sp>
+      <p:pic>
+        <p:nvPicPr>
+          <p:cNvPr id="4" name="Picture 3" descr="6heatmap.jpg"/>
+          <p:cNvPicPr>
+            <a:picLocks noChangeAspect="1"/>
+          </p:cNvPicPr>
+          <p:nvPr/>
+        </p:nvPicPr>
+        <p:blipFill>
+          <a:blip r:embed="rId2">
+            <a:extLst>
+              <a:ext uri="{28A0092B-C50C-407E-A947-70E740481C1C}">
+                <a14:useLocalDpi xmlns:a14="http://schemas.microsoft.com/office/drawing/2010/main" val="0"/>
+              </a:ext>
+            </a:extLst>
+          </a:blip>
           <a:stretch>
             <a:fillRect/>
           </a:stretch>
         </p:blipFill>
         <p:spPr>
           <a:xfrm>
-            <a:off x="151348" y="1272141"/>
-            <a:ext cx="8826114" cy="4854023"/>
+            <a:off x="252132" y="2603647"/>
+            <a:ext cx="8434668" cy="3169774"/>
           </a:xfrm>
+          <a:prstGeom prst="rect">
+            <a:avLst/>
+          </a:prstGeom>
         </p:spPr>
       </p:pic>
     </p:spTree>
     <p:extLst>
       <p:ext uri="{BB962C8B-B14F-4D97-AF65-F5344CB8AC3E}">
-        <p14:creationId xmlns:p14="http://schemas.microsoft.com/office/powerpoint/2010/main" val="2076797956"/>
+        <p14:creationId xmlns:p14="http://schemas.microsoft.com/office/powerpoint/2010/main" val="460815168"/>
+      </p:ext>
+    </p:extLst>
+  </p:cSld>
+  <p:clrMapOvr>
+    <a:masterClrMapping/>
+  </p:clrMapOvr>
+</p:sld>
+</file>
+
+<file path=ppt/slides/slide8.xml><?xml version="1.0" encoding="utf-8"?>
+<p:sld xmlns:a="http://schemas.openxmlformats.org/drawingml/2006/main" xmlns:r="http://schemas.openxmlformats.org/officeDocument/2006/relationships" xmlns:p="http://schemas.openxmlformats.org/presentationml/2006/main">
+  <p:cSld>
+    <p:spTree>
+      <p:nvGrpSpPr>
+        <p:cNvPr id="1" name=""/>
+        <p:cNvGrpSpPr/>
+        <p:nvPr/>
+      </p:nvGrpSpPr>
+      <p:grpSpPr>
+        <a:xfrm>
+          <a:off x="0" y="0"/>
+          <a:ext cx="0" cy="0"/>
+          <a:chOff x="0" y="0"/>
+          <a:chExt cx="0" cy="0"/>
+        </a:xfrm>
+      </p:grpSpPr>
+      <p:sp>
+        <p:nvSpPr>
+          <p:cNvPr id="2" name="Title 1"/>
+          <p:cNvSpPr>
+            <a:spLocks noGrp="1"/>
+          </p:cNvSpPr>
+          <p:nvPr>
+            <p:ph type="title"/>
+          </p:nvPr>
+        </p:nvSpPr>
+        <p:spPr/>
+        <p:txBody>
+          <a:bodyPr/>
+          <a:lstStyle/>
+          <a:p>
+            <a:r>
+              <a:rPr lang="en-US" dirty="0" smtClean="0"/>
+              <a:t>Top 20  Followed Users Analysis</a:t>
+            </a:r>
+            <a:endParaRPr lang="en-US" dirty="0"/>
+          </a:p>
+        </p:txBody>
+      </p:sp>
+      <p:pic>
+        <p:nvPicPr>
+          <p:cNvPr id="4" name="Content Placeholder 3" descr="8velocity.jpg"/>
+          <p:cNvPicPr>
+            <a:picLocks noGrp="1" noChangeAspect="1"/>
+          </p:cNvPicPr>
+          <p:nvPr>
+            <p:ph idx="1"/>
+          </p:nvPr>
+        </p:nvPicPr>
+        <p:blipFill>
+          <a:blip r:embed="rId2">
+            <a:extLst>
+              <a:ext uri="{28A0092B-C50C-407E-A947-70E740481C1C}">
+                <a14:useLocalDpi xmlns:a14="http://schemas.microsoft.com/office/drawing/2010/main" val="0"/>
+              </a:ext>
+            </a:extLst>
+          </a:blip>
+          <a:srcRect t="-25437" b="-25437"/>
+          <a:stretch>
+            <a:fillRect/>
+          </a:stretch>
+        </p:blipFill>
+        <p:spPr/>
+      </p:pic>
+    </p:spTree>
+    <p:extLst>
+      <p:ext uri="{BB962C8B-B14F-4D97-AF65-F5344CB8AC3E}">
+        <p14:creationId xmlns:p14="http://schemas.microsoft.com/office/powerpoint/2010/main" val="267349246"/>
+      </p:ext>
+    </p:extLst>
+  </p:cSld>
+  <p:clrMapOvr>
+    <a:masterClrMapping/>
+  </p:clrMapOvr>
+</p:sld>
+</file>
+
+<file path=ppt/slides/slide9.xml><?xml version="1.0" encoding="utf-8"?>
+<p:sld xmlns:a="http://schemas.openxmlformats.org/drawingml/2006/main" xmlns:r="http://schemas.openxmlformats.org/officeDocument/2006/relationships" xmlns:p="http://schemas.openxmlformats.org/presentationml/2006/main">
+  <p:cSld>
+    <p:spTree>
+      <p:nvGrpSpPr>
+        <p:cNvPr id="1" name=""/>
+        <p:cNvGrpSpPr/>
+        <p:nvPr/>
+      </p:nvGrpSpPr>
+      <p:grpSpPr>
+        <a:xfrm>
+          <a:off x="0" y="0"/>
+          <a:ext cx="0" cy="0"/>
+          <a:chOff x="0" y="0"/>
+          <a:chExt cx="0" cy="0"/>
+        </a:xfrm>
+      </p:grpSpPr>
+      <p:sp>
+        <p:nvSpPr>
+          <p:cNvPr id="2" name="Title 1"/>
+          <p:cNvSpPr>
+            <a:spLocks noGrp="1"/>
+          </p:cNvSpPr>
+          <p:nvPr>
+            <p:ph type="title"/>
+          </p:nvPr>
+        </p:nvSpPr>
+        <p:spPr/>
+        <p:txBody>
+          <a:bodyPr/>
+          <a:lstStyle/>
+          <a:p>
+            <a:r>
+              <a:rPr lang="en-US" dirty="0" smtClean="0"/>
+              <a:t>Top 20 </a:t>
+            </a:r>
+            <a:r>
+              <a:rPr lang="mr-IN" dirty="0" smtClean="0"/>
+              <a:t>–</a:t>
+            </a:r>
+            <a:r>
+              <a:rPr lang="en-US" dirty="0" smtClean="0"/>
+              <a:t> What does the fake account say?</a:t>
+            </a:r>
+            <a:endParaRPr lang="en-US" dirty="0"/>
+          </a:p>
+        </p:txBody>
+      </p:sp>
+      <p:pic>
+        <p:nvPicPr>
+          <p:cNvPr id="4" name="Content Placeholder 3" descr="tweets.jpg"/>
+          <p:cNvPicPr>
+            <a:picLocks noGrp="1" noChangeAspect="1"/>
+          </p:cNvPicPr>
+          <p:nvPr>
+            <p:ph idx="1"/>
+          </p:nvPr>
+        </p:nvPicPr>
+        <p:blipFill>
+          <a:blip r:embed="rId2">
+            <a:extLst>
+              <a:ext uri="{28A0092B-C50C-407E-A947-70E740481C1C}">
+                <a14:useLocalDpi xmlns:a14="http://schemas.microsoft.com/office/drawing/2010/main" val="0"/>
+              </a:ext>
+            </a:extLst>
+          </a:blip>
+          <a:srcRect t="6520" b="6520"/>
+          <a:stretch>
+            <a:fillRect/>
+          </a:stretch>
+        </p:blipFill>
+        <p:spPr/>
+      </p:pic>
+    </p:spTree>
+    <p:extLst>
+      <p:ext uri="{BB962C8B-B14F-4D97-AF65-F5344CB8AC3E}">
+        <p14:creationId xmlns:p14="http://schemas.microsoft.com/office/powerpoint/2010/main" val="916822317"/>
       </p:ext>
     </p:extLst>
   </p:cSld>
